--- a/DoctolibGroupe51verylastversion.pptx
+++ b/DoctolibGroupe51verylastversion.pptx
@@ -10667,7 +10667,7 @@
             </a:pPr>
             <a:r>
               <a:rPr lang="fr-FR" sz="2000" dirty="0"/>
-              <a:t> - gestion par client</a:t>
+              <a:t> - gestion par candidat (comparaison, …)</a:t>
             </a:r>
           </a:p>
           <a:p>
@@ -10677,6 +10677,15 @@
             <a:r>
               <a:rPr lang="fr-FR" sz="2000" dirty="0"/>
               <a:t> - gestion plus fines pour la fraude, les variables, …</a:t>
+            </a:r>
+          </a:p>
+          <a:p>
+            <a:pPr marL="0" indent="0">
+              <a:buNone/>
+            </a:pPr>
+            <a:r>
+              <a:rPr lang="fr-FR" sz="2000" dirty="0"/>
+              <a:t> - barème plus adapté aux attentes</a:t>
             </a:r>
           </a:p>
           <a:p>
